--- a/apug-feb-2023.pptx
+++ b/apug-feb-2023.pptx
@@ -824,7 +824,7 @@
               </a:spcAft>
               <a:buNone/>
             </a:pPr>
-            <a:endParaRPr/>
+            <a:endParaRPr dirty="0"/>
           </a:p>
         </p:txBody>
       </p:sp>
@@ -5336,41 +5336,7 @@
                 </a:solidFill>
                 <a:latin typeface="Andale Mono" panose="020B0509000000000004" pitchFamily="49" charset="0"/>
               </a:rPr>
-              <a:t>  </a:t>
-            </a:r>
-            <a:r>
-              <a:rPr lang="en-US" sz="2800" dirty="0" err="1">
-                <a:solidFill>
-                  <a:schemeClr val="tx1">
-                    <a:lumMod val="75000"/>
-                  </a:schemeClr>
-                </a:solidFill>
-                <a:latin typeface="Andale Mono" panose="020B0509000000000004" pitchFamily="49" charset="0"/>
-              </a:rPr>
-              <a:t>tinyurl.com</a:t>
-            </a:r>
-            <a:r>
-              <a:rPr lang="en-US" sz="2800" dirty="0">
-                <a:solidFill>
-                  <a:schemeClr val="tx1">
-                    <a:lumMod val="75000"/>
-                  </a:schemeClr>
-                </a:solidFill>
-                <a:latin typeface="Andale Mono" panose="020B0509000000000004" pitchFamily="49" charset="0"/>
-              </a:rPr>
-              <a:t>/</a:t>
-            </a:r>
-            <a:r>
-              <a:rPr lang="en-US" sz="2800" b="1" dirty="0">
-                <a:latin typeface="Andale Mono" panose="020B0509000000000004" pitchFamily="49" charset="0"/>
-              </a:rPr>
-              <a:t>dice-poker-</a:t>
-            </a:r>
-            <a:r>
-              <a:rPr lang="en-US" sz="2800" b="1" dirty="0" err="1">
-                <a:latin typeface="Andale Mono" panose="020B0509000000000004" pitchFamily="49" charset="0"/>
-              </a:rPr>
-              <a:t>dropbox</a:t>
+              <a:t>  (closed)</a:t>
             </a:r>
             <a:endParaRPr lang="en-US" sz="2800" b="1" dirty="0">
               <a:latin typeface="Andale Mono" panose="020B0509000000000004" pitchFamily="49" charset="0"/>
@@ -5760,7 +5726,7 @@
         <p:spPr>
           <a:xfrm>
             <a:off x="667619" y="3040920"/>
-            <a:ext cx="8127125" cy="369332"/>
+            <a:ext cx="8127125" cy="307777"/>
           </a:xfrm>
           <a:prstGeom prst="rect">
             <a:avLst/>
@@ -5774,13 +5740,67 @@
           <a:lstStyle/>
           <a:p>
             <a:r>
-              <a:rPr lang="en-GB" dirty="0">
+              <a:rPr lang="en-GB" sz="1400" dirty="0">
                 <a:solidFill>
                   <a:srgbClr val="0070C0"/>
                 </a:solidFill>
                 <a:latin typeface="Andale Mono" panose="020B0509000000000004" pitchFamily="49" charset="0"/>
               </a:rPr>
-              <a:t>github.com/PythonAberdeen/user_group/tree/master/2023-02</a:t>
+              <a:t>https://</a:t>
+            </a:r>
+            <a:r>
+              <a:rPr lang="en-GB" sz="1400" dirty="0" err="1">
+                <a:solidFill>
+                  <a:srgbClr val="0070C0"/>
+                </a:solidFill>
+                <a:latin typeface="Andale Mono" panose="020B0509000000000004" pitchFamily="49" charset="0"/>
+              </a:rPr>
+              <a:t>github.com</a:t>
+            </a:r>
+            <a:r>
+              <a:rPr lang="en-GB" sz="1400" dirty="0">
+                <a:solidFill>
+                  <a:srgbClr val="0070C0"/>
+                </a:solidFill>
+                <a:latin typeface="Andale Mono" panose="020B0509000000000004" pitchFamily="49" charset="0"/>
+              </a:rPr>
+              <a:t>/</a:t>
+            </a:r>
+            <a:r>
+              <a:rPr lang="en-GB" sz="1400" dirty="0" err="1">
+                <a:solidFill>
+                  <a:srgbClr val="0070C0"/>
+                </a:solidFill>
+                <a:latin typeface="Andale Mono" panose="020B0509000000000004" pitchFamily="49" charset="0"/>
+              </a:rPr>
+              <a:t>PythonAberdeen</a:t>
+            </a:r>
+            <a:r>
+              <a:rPr lang="en-GB" sz="1400" dirty="0">
+                <a:solidFill>
+                  <a:srgbClr val="0070C0"/>
+                </a:solidFill>
+                <a:latin typeface="Andale Mono" panose="020B0509000000000004" pitchFamily="49" charset="0"/>
+              </a:rPr>
+              <a:t>/</a:t>
+            </a:r>
+            <a:r>
+              <a:rPr lang="en-GB" sz="1400" dirty="0" err="1">
+                <a:solidFill>
+                  <a:srgbClr val="0070C0"/>
+                </a:solidFill>
+                <a:latin typeface="Andale Mono" panose="020B0509000000000004" pitchFamily="49" charset="0"/>
+              </a:rPr>
+              <a:t>user_group</a:t>
+            </a:r>
+            <a:r>
+              <a:rPr lang="en-GB" sz="1400" dirty="0">
+                <a:solidFill>
+                  <a:srgbClr val="0070C0"/>
+                </a:solidFill>
+                <a:latin typeface="Andale Mono" panose="020B0509000000000004" pitchFamily="49" charset="0"/>
+              </a:rPr>
+              <a:t>/tree/master/2023/2023-02</a:t>
             </a:r>
           </a:p>
         </p:txBody>
@@ -12228,13 +12248,13 @@
   <p:clrMapOvr>
     <a:masterClrMapping/>
   </p:clrMapOvr>
-  <mc:AlternateContent xmlns:mc="http://schemas.openxmlformats.org/markup-compatibility/2006">
-    <mc:Choice xmlns:p14="http://schemas.microsoft.com/office/powerpoint/2010/main" Requires="p14">
+  <mc:AlternateContent xmlns:mc="http://schemas.openxmlformats.org/markup-compatibility/2006" xmlns:p14="http://schemas.microsoft.com/office/powerpoint/2010/main">
+    <mc:Choice Requires="p14">
       <p:transition spd="med" p14:dur="700">
         <p:fade/>
       </p:transition>
     </mc:Choice>
-    <mc:Fallback>
+    <mc:Fallback xmlns="">
       <p:transition spd="med">
         <p:fade/>
       </p:transition>
